--- a/Assets/Textures/Roomnames/Roomnames.pptx
+++ b/Assets/Textures/Roomnames/Roomnames.pptx
@@ -263,7 +263,7 @@
           <a:p>
             <a:fld id="{14389514-1D2E-45F5-8DC5-A75A64E20C29}" type="datetimeFigureOut">
               <a:rPr lang="en-GB" smtClean="0"/>
-              <a:t>22/09/2024</a:t>
+              <a:t>10/10/2024</a:t>
             </a:fld>
             <a:endParaRPr lang="en-GB"/>
           </a:p>
@@ -463,7 +463,7 @@
           <a:p>
             <a:fld id="{14389514-1D2E-45F5-8DC5-A75A64E20C29}" type="datetimeFigureOut">
               <a:rPr lang="en-GB" smtClean="0"/>
-              <a:t>22/09/2024</a:t>
+              <a:t>10/10/2024</a:t>
             </a:fld>
             <a:endParaRPr lang="en-GB"/>
           </a:p>
@@ -673,7 +673,7 @@
           <a:p>
             <a:fld id="{14389514-1D2E-45F5-8DC5-A75A64E20C29}" type="datetimeFigureOut">
               <a:rPr lang="en-GB" smtClean="0"/>
-              <a:t>22/09/2024</a:t>
+              <a:t>10/10/2024</a:t>
             </a:fld>
             <a:endParaRPr lang="en-GB"/>
           </a:p>
@@ -873,7 +873,7 @@
           <a:p>
             <a:fld id="{14389514-1D2E-45F5-8DC5-A75A64E20C29}" type="datetimeFigureOut">
               <a:rPr lang="en-GB" smtClean="0"/>
-              <a:t>22/09/2024</a:t>
+              <a:t>10/10/2024</a:t>
             </a:fld>
             <a:endParaRPr lang="en-GB"/>
           </a:p>
@@ -1149,7 +1149,7 @@
           <a:p>
             <a:fld id="{14389514-1D2E-45F5-8DC5-A75A64E20C29}" type="datetimeFigureOut">
               <a:rPr lang="en-GB" smtClean="0"/>
-              <a:t>22/09/2024</a:t>
+              <a:t>10/10/2024</a:t>
             </a:fld>
             <a:endParaRPr lang="en-GB"/>
           </a:p>
@@ -1417,7 +1417,7 @@
           <a:p>
             <a:fld id="{14389514-1D2E-45F5-8DC5-A75A64E20C29}" type="datetimeFigureOut">
               <a:rPr lang="en-GB" smtClean="0"/>
-              <a:t>22/09/2024</a:t>
+              <a:t>10/10/2024</a:t>
             </a:fld>
             <a:endParaRPr lang="en-GB"/>
           </a:p>
@@ -1832,7 +1832,7 @@
           <a:p>
             <a:fld id="{14389514-1D2E-45F5-8DC5-A75A64E20C29}" type="datetimeFigureOut">
               <a:rPr lang="en-GB" smtClean="0"/>
-              <a:t>22/09/2024</a:t>
+              <a:t>10/10/2024</a:t>
             </a:fld>
             <a:endParaRPr lang="en-GB"/>
           </a:p>
@@ -1974,7 +1974,7 @@
           <a:p>
             <a:fld id="{14389514-1D2E-45F5-8DC5-A75A64E20C29}" type="datetimeFigureOut">
               <a:rPr lang="en-GB" smtClean="0"/>
-              <a:t>22/09/2024</a:t>
+              <a:t>10/10/2024</a:t>
             </a:fld>
             <a:endParaRPr lang="en-GB"/>
           </a:p>
@@ -2087,7 +2087,7 @@
           <a:p>
             <a:fld id="{14389514-1D2E-45F5-8DC5-A75A64E20C29}" type="datetimeFigureOut">
               <a:rPr lang="en-GB" smtClean="0"/>
-              <a:t>22/09/2024</a:t>
+              <a:t>10/10/2024</a:t>
             </a:fld>
             <a:endParaRPr lang="en-GB"/>
           </a:p>
@@ -2400,7 +2400,7 @@
           <a:p>
             <a:fld id="{14389514-1D2E-45F5-8DC5-A75A64E20C29}" type="datetimeFigureOut">
               <a:rPr lang="en-GB" smtClean="0"/>
-              <a:t>22/09/2024</a:t>
+              <a:t>10/10/2024</a:t>
             </a:fld>
             <a:endParaRPr lang="en-GB"/>
           </a:p>
@@ -2689,7 +2689,7 @@
           <a:p>
             <a:fld id="{14389514-1D2E-45F5-8DC5-A75A64E20C29}" type="datetimeFigureOut">
               <a:rPr lang="en-GB" smtClean="0"/>
-              <a:t>22/09/2024</a:t>
+              <a:t>10/10/2024</a:t>
             </a:fld>
             <a:endParaRPr lang="en-GB"/>
           </a:p>
@@ -2932,7 +2932,7 @@
           <a:p>
             <a:fld id="{14389514-1D2E-45F5-8DC5-A75A64E20C29}" type="datetimeFigureOut">
               <a:rPr lang="en-GB" smtClean="0"/>
-              <a:t>22/09/2024</a:t>
+              <a:t>10/10/2024</a:t>
             </a:fld>
             <a:endParaRPr lang="en-GB"/>
           </a:p>
@@ -3645,6 +3645,96 @@
           </a:p>
         </p:txBody>
       </p:sp>
+      <p:sp>
+        <p:nvSpPr>
+          <p:cNvPr id="7" name="TextBox 6">
+            <a:extLst>
+              <a:ext uri="{FF2B5EF4-FFF2-40B4-BE49-F238E27FC236}">
+                <a16:creationId xmlns:a16="http://schemas.microsoft.com/office/drawing/2014/main" id="{84C03903-AFB1-4559-E65D-E9C976966460}"/>
+              </a:ext>
+            </a:extLst>
+          </p:cNvPr>
+          <p:cNvSpPr txBox="1"/>
+          <p:nvPr/>
+        </p:nvSpPr>
+        <p:spPr>
+          <a:xfrm>
+            <a:off x="5954131" y="734584"/>
+            <a:ext cx="5040000" cy="1440000"/>
+          </a:xfrm>
+          <a:prstGeom prst="rect">
+            <a:avLst/>
+          </a:prstGeom>
+          <a:noFill/>
+        </p:spPr>
+        <p:txBody>
+          <a:bodyPr wrap="none" rtlCol="0" anchor="ctr">
+            <a:noAutofit/>
+          </a:bodyPr>
+          <a:lstStyle/>
+          <a:p>
+            <a:pPr algn="ctr"/>
+            <a:r>
+              <a:rPr lang="en-GB" sz="6000" dirty="0">
+                <a:ln w="0"/>
+                <a:effectLst>
+                  <a:outerShdw blurRad="38100" dist="19050" dir="2700000" algn="tl" rotWithShape="0">
+                    <a:schemeClr val="dk1">
+                      <a:alpha val="40000"/>
+                    </a:schemeClr>
+                  </a:outerShdw>
+                </a:effectLst>
+              </a:rPr>
+              <a:t>MEDICAL</a:t>
+            </a:r>
+          </a:p>
+        </p:txBody>
+      </p:sp>
+      <p:sp>
+        <p:nvSpPr>
+          <p:cNvPr id="8" name="TextBox 7">
+            <a:extLst>
+              <a:ext uri="{FF2B5EF4-FFF2-40B4-BE49-F238E27FC236}">
+                <a16:creationId xmlns:a16="http://schemas.microsoft.com/office/drawing/2014/main" id="{EF61FDA3-C4FE-00DA-587F-8051C1FDA452}"/>
+              </a:ext>
+            </a:extLst>
+          </p:cNvPr>
+          <p:cNvSpPr txBox="1"/>
+          <p:nvPr/>
+        </p:nvSpPr>
+        <p:spPr>
+          <a:xfrm>
+            <a:off x="5954131" y="3429000"/>
+            <a:ext cx="5040000" cy="1440000"/>
+          </a:xfrm>
+          <a:prstGeom prst="rect">
+            <a:avLst/>
+          </a:prstGeom>
+          <a:noFill/>
+        </p:spPr>
+        <p:txBody>
+          <a:bodyPr wrap="none" rtlCol="0" anchor="ctr">
+            <a:noAutofit/>
+          </a:bodyPr>
+          <a:lstStyle/>
+          <a:p>
+            <a:pPr algn="ctr"/>
+            <a:r>
+              <a:rPr lang="en-GB" sz="6000" dirty="0">
+                <a:ln w="0"/>
+                <a:effectLst>
+                  <a:outerShdw blurRad="38100" dist="19050" dir="2700000" algn="tl" rotWithShape="0">
+                    <a:schemeClr val="dk1">
+                      <a:alpha val="40000"/>
+                    </a:schemeClr>
+                  </a:outerShdw>
+                </a:effectLst>
+              </a:rPr>
+              <a:t>PROPERTY</a:t>
+            </a:r>
+          </a:p>
+        </p:txBody>
+      </p:sp>
     </p:spTree>
     <p:extLst>
       <p:ext uri="{BB962C8B-B14F-4D97-AF65-F5344CB8AC3E}">

--- a/Assets/Textures/Roomnames/Roomnames.pptx
+++ b/Assets/Textures/Roomnames/Roomnames.pptx
@@ -263,7 +263,7 @@
           <a:p>
             <a:fld id="{14389514-1D2E-45F5-8DC5-A75A64E20C29}" type="datetimeFigureOut">
               <a:rPr lang="en-GB" smtClean="0"/>
-              <a:t>10/10/2024</a:t>
+              <a:t>12/10/2024</a:t>
             </a:fld>
             <a:endParaRPr lang="en-GB"/>
           </a:p>
@@ -463,7 +463,7 @@
           <a:p>
             <a:fld id="{14389514-1D2E-45F5-8DC5-A75A64E20C29}" type="datetimeFigureOut">
               <a:rPr lang="en-GB" smtClean="0"/>
-              <a:t>10/10/2024</a:t>
+              <a:t>12/10/2024</a:t>
             </a:fld>
             <a:endParaRPr lang="en-GB"/>
           </a:p>
@@ -673,7 +673,7 @@
           <a:p>
             <a:fld id="{14389514-1D2E-45F5-8DC5-A75A64E20C29}" type="datetimeFigureOut">
               <a:rPr lang="en-GB" smtClean="0"/>
-              <a:t>10/10/2024</a:t>
+              <a:t>12/10/2024</a:t>
             </a:fld>
             <a:endParaRPr lang="en-GB"/>
           </a:p>
@@ -873,7 +873,7 @@
           <a:p>
             <a:fld id="{14389514-1D2E-45F5-8DC5-A75A64E20C29}" type="datetimeFigureOut">
               <a:rPr lang="en-GB" smtClean="0"/>
-              <a:t>10/10/2024</a:t>
+              <a:t>12/10/2024</a:t>
             </a:fld>
             <a:endParaRPr lang="en-GB"/>
           </a:p>
@@ -1149,7 +1149,7 @@
           <a:p>
             <a:fld id="{14389514-1D2E-45F5-8DC5-A75A64E20C29}" type="datetimeFigureOut">
               <a:rPr lang="en-GB" smtClean="0"/>
-              <a:t>10/10/2024</a:t>
+              <a:t>12/10/2024</a:t>
             </a:fld>
             <a:endParaRPr lang="en-GB"/>
           </a:p>
@@ -1417,7 +1417,7 @@
           <a:p>
             <a:fld id="{14389514-1D2E-45F5-8DC5-A75A64E20C29}" type="datetimeFigureOut">
               <a:rPr lang="en-GB" smtClean="0"/>
-              <a:t>10/10/2024</a:t>
+              <a:t>12/10/2024</a:t>
             </a:fld>
             <a:endParaRPr lang="en-GB"/>
           </a:p>
@@ -1832,7 +1832,7 @@
           <a:p>
             <a:fld id="{14389514-1D2E-45F5-8DC5-A75A64E20C29}" type="datetimeFigureOut">
               <a:rPr lang="en-GB" smtClean="0"/>
-              <a:t>10/10/2024</a:t>
+              <a:t>12/10/2024</a:t>
             </a:fld>
             <a:endParaRPr lang="en-GB"/>
           </a:p>
@@ -1974,7 +1974,7 @@
           <a:p>
             <a:fld id="{14389514-1D2E-45F5-8DC5-A75A64E20C29}" type="datetimeFigureOut">
               <a:rPr lang="en-GB" smtClean="0"/>
-              <a:t>10/10/2024</a:t>
+              <a:t>12/10/2024</a:t>
             </a:fld>
             <a:endParaRPr lang="en-GB"/>
           </a:p>
@@ -2087,7 +2087,7 @@
           <a:p>
             <a:fld id="{14389514-1D2E-45F5-8DC5-A75A64E20C29}" type="datetimeFigureOut">
               <a:rPr lang="en-GB" smtClean="0"/>
-              <a:t>10/10/2024</a:t>
+              <a:t>12/10/2024</a:t>
             </a:fld>
             <a:endParaRPr lang="en-GB"/>
           </a:p>
@@ -2400,7 +2400,7 @@
           <a:p>
             <a:fld id="{14389514-1D2E-45F5-8DC5-A75A64E20C29}" type="datetimeFigureOut">
               <a:rPr lang="en-GB" smtClean="0"/>
-              <a:t>10/10/2024</a:t>
+              <a:t>12/10/2024</a:t>
             </a:fld>
             <a:endParaRPr lang="en-GB"/>
           </a:p>
@@ -2689,7 +2689,7 @@
           <a:p>
             <a:fld id="{14389514-1D2E-45F5-8DC5-A75A64E20C29}" type="datetimeFigureOut">
               <a:rPr lang="en-GB" smtClean="0"/>
-              <a:t>10/10/2024</a:t>
+              <a:t>12/10/2024</a:t>
             </a:fld>
             <a:endParaRPr lang="en-GB"/>
           </a:p>
@@ -2932,7 +2932,7 @@
           <a:p>
             <a:fld id="{14389514-1D2E-45F5-8DC5-A75A64E20C29}" type="datetimeFigureOut">
               <a:rPr lang="en-GB" smtClean="0"/>
-              <a:t>10/10/2024</a:t>
+              <a:t>12/10/2024</a:t>
             </a:fld>
             <a:endParaRPr lang="en-GB"/>
           </a:p>
@@ -3735,6 +3735,51 @@
           </a:p>
         </p:txBody>
       </p:sp>
+      <p:sp>
+        <p:nvSpPr>
+          <p:cNvPr id="9" name="TextBox 8">
+            <a:extLst>
+              <a:ext uri="{FF2B5EF4-FFF2-40B4-BE49-F238E27FC236}">
+                <a16:creationId xmlns:a16="http://schemas.microsoft.com/office/drawing/2014/main" id="{7FFE56A5-10F2-A24E-E97B-1FD06E929B07}"/>
+              </a:ext>
+            </a:extLst>
+          </p:cNvPr>
+          <p:cNvSpPr txBox="1"/>
+          <p:nvPr/>
+        </p:nvSpPr>
+        <p:spPr>
+          <a:xfrm>
+            <a:off x="851297" y="2958753"/>
+            <a:ext cx="5040000" cy="1440000"/>
+          </a:xfrm>
+          <a:prstGeom prst="rect">
+            <a:avLst/>
+          </a:prstGeom>
+          <a:noFill/>
+        </p:spPr>
+        <p:txBody>
+          <a:bodyPr wrap="none" rtlCol="0" anchor="ctr">
+            <a:noAutofit/>
+          </a:bodyPr>
+          <a:lstStyle/>
+          <a:p>
+            <a:pPr algn="ctr"/>
+            <a:r>
+              <a:rPr lang="en-GB" sz="6000" dirty="0">
+                <a:ln w="0"/>
+                <a:effectLst>
+                  <a:outerShdw blurRad="38100" dist="19050" dir="2700000" algn="tl" rotWithShape="0">
+                    <a:schemeClr val="dk1">
+                      <a:alpha val="40000"/>
+                    </a:schemeClr>
+                  </a:outerShdw>
+                </a:effectLst>
+              </a:rPr>
+              <a:t>RESTRICTED ACCESS</a:t>
+            </a:r>
+          </a:p>
+        </p:txBody>
+      </p:sp>
     </p:spTree>
     <p:extLst>
       <p:ext uri="{BB962C8B-B14F-4D97-AF65-F5344CB8AC3E}">

--- a/Assets/Textures/Roomnames/Roomnames.pptx
+++ b/Assets/Textures/Roomnames/Roomnames.pptx
@@ -8,6 +8,7 @@
     <p:sldId id="257" r:id="rId2"/>
     <p:sldId id="256" r:id="rId3"/>
     <p:sldId id="258" r:id="rId4"/>
+    <p:sldId id="259" r:id="rId5"/>
   </p:sldIdLst>
   <p:sldSz cx="12192000" cy="6858000"/>
   <p:notesSz cx="6858000" cy="9144000"/>
@@ -263,7 +264,7 @@
           <a:p>
             <a:fld id="{14389514-1D2E-45F5-8DC5-A75A64E20C29}" type="datetimeFigureOut">
               <a:rPr lang="en-GB" smtClean="0"/>
-              <a:t>12/10/2024</a:t>
+              <a:t>14/10/2024</a:t>
             </a:fld>
             <a:endParaRPr lang="en-GB"/>
           </a:p>
@@ -463,7 +464,7 @@
           <a:p>
             <a:fld id="{14389514-1D2E-45F5-8DC5-A75A64E20C29}" type="datetimeFigureOut">
               <a:rPr lang="en-GB" smtClean="0"/>
-              <a:t>12/10/2024</a:t>
+              <a:t>14/10/2024</a:t>
             </a:fld>
             <a:endParaRPr lang="en-GB"/>
           </a:p>
@@ -673,7 +674,7 @@
           <a:p>
             <a:fld id="{14389514-1D2E-45F5-8DC5-A75A64E20C29}" type="datetimeFigureOut">
               <a:rPr lang="en-GB" smtClean="0"/>
-              <a:t>12/10/2024</a:t>
+              <a:t>14/10/2024</a:t>
             </a:fld>
             <a:endParaRPr lang="en-GB"/>
           </a:p>
@@ -873,7 +874,7 @@
           <a:p>
             <a:fld id="{14389514-1D2E-45F5-8DC5-A75A64E20C29}" type="datetimeFigureOut">
               <a:rPr lang="en-GB" smtClean="0"/>
-              <a:t>12/10/2024</a:t>
+              <a:t>14/10/2024</a:t>
             </a:fld>
             <a:endParaRPr lang="en-GB"/>
           </a:p>
@@ -1149,7 +1150,7 @@
           <a:p>
             <a:fld id="{14389514-1D2E-45F5-8DC5-A75A64E20C29}" type="datetimeFigureOut">
               <a:rPr lang="en-GB" smtClean="0"/>
-              <a:t>12/10/2024</a:t>
+              <a:t>14/10/2024</a:t>
             </a:fld>
             <a:endParaRPr lang="en-GB"/>
           </a:p>
@@ -1417,7 +1418,7 @@
           <a:p>
             <a:fld id="{14389514-1D2E-45F5-8DC5-A75A64E20C29}" type="datetimeFigureOut">
               <a:rPr lang="en-GB" smtClean="0"/>
-              <a:t>12/10/2024</a:t>
+              <a:t>14/10/2024</a:t>
             </a:fld>
             <a:endParaRPr lang="en-GB"/>
           </a:p>
@@ -1832,7 +1833,7 @@
           <a:p>
             <a:fld id="{14389514-1D2E-45F5-8DC5-A75A64E20C29}" type="datetimeFigureOut">
               <a:rPr lang="en-GB" smtClean="0"/>
-              <a:t>12/10/2024</a:t>
+              <a:t>14/10/2024</a:t>
             </a:fld>
             <a:endParaRPr lang="en-GB"/>
           </a:p>
@@ -1974,7 +1975,7 @@
           <a:p>
             <a:fld id="{14389514-1D2E-45F5-8DC5-A75A64E20C29}" type="datetimeFigureOut">
               <a:rPr lang="en-GB" smtClean="0"/>
-              <a:t>12/10/2024</a:t>
+              <a:t>14/10/2024</a:t>
             </a:fld>
             <a:endParaRPr lang="en-GB"/>
           </a:p>
@@ -2087,7 +2088,7 @@
           <a:p>
             <a:fld id="{14389514-1D2E-45F5-8DC5-A75A64E20C29}" type="datetimeFigureOut">
               <a:rPr lang="en-GB" smtClean="0"/>
-              <a:t>12/10/2024</a:t>
+              <a:t>14/10/2024</a:t>
             </a:fld>
             <a:endParaRPr lang="en-GB"/>
           </a:p>
@@ -2400,7 +2401,7 @@
           <a:p>
             <a:fld id="{14389514-1D2E-45F5-8DC5-A75A64E20C29}" type="datetimeFigureOut">
               <a:rPr lang="en-GB" smtClean="0"/>
-              <a:t>12/10/2024</a:t>
+              <a:t>14/10/2024</a:t>
             </a:fld>
             <a:endParaRPr lang="en-GB"/>
           </a:p>
@@ -2689,7 +2690,7 @@
           <a:p>
             <a:fld id="{14389514-1D2E-45F5-8DC5-A75A64E20C29}" type="datetimeFigureOut">
               <a:rPr lang="en-GB" smtClean="0"/>
-              <a:t>12/10/2024</a:t>
+              <a:t>14/10/2024</a:t>
             </a:fld>
             <a:endParaRPr lang="en-GB"/>
           </a:p>
@@ -2932,7 +2933,7 @@
           <a:p>
             <a:fld id="{14389514-1D2E-45F5-8DC5-A75A64E20C29}" type="datetimeFigureOut">
               <a:rPr lang="en-GB" smtClean="0"/>
-              <a:t>12/10/2024</a:t>
+              <a:t>14/10/2024</a:t>
             </a:fld>
             <a:endParaRPr lang="en-GB"/>
           </a:p>
@@ -3969,6 +3970,778 @@
 </p:sld>
 </file>
 
+<file path=ppt/slides/slide4.xml><?xml version="1.0" encoding="utf-8"?>
+<p:sld xmlns:a="http://schemas.openxmlformats.org/drawingml/2006/main" xmlns:r="http://schemas.openxmlformats.org/officeDocument/2006/relationships" xmlns:p="http://schemas.openxmlformats.org/presentationml/2006/main">
+  <p:cSld>
+    <p:spTree>
+      <p:nvGrpSpPr>
+        <p:cNvPr id="1" name=""/>
+        <p:cNvGrpSpPr/>
+        <p:nvPr/>
+      </p:nvGrpSpPr>
+      <p:grpSpPr>
+        <a:xfrm>
+          <a:off x="0" y="0"/>
+          <a:ext cx="0" cy="0"/>
+          <a:chOff x="0" y="0"/>
+          <a:chExt cx="0" cy="0"/>
+        </a:xfrm>
+      </p:grpSpPr>
+      <p:sp>
+        <p:nvSpPr>
+          <p:cNvPr id="2" name="Rectangle: Rounded Corners 1">
+            <a:extLst>
+              <a:ext uri="{FF2B5EF4-FFF2-40B4-BE49-F238E27FC236}">
+                <a16:creationId xmlns:a16="http://schemas.microsoft.com/office/drawing/2014/main" id="{96B7F6F7-6C36-A423-552C-F05E8CD441AE}"/>
+              </a:ext>
+            </a:extLst>
+          </p:cNvPr>
+          <p:cNvSpPr/>
+          <p:nvPr/>
+        </p:nvSpPr>
+        <p:spPr>
+          <a:xfrm>
+            <a:off x="8506326" y="5696952"/>
+            <a:ext cx="1672389" cy="914400"/>
+          </a:xfrm>
+          <a:prstGeom prst="roundRect">
+            <a:avLst/>
+          </a:prstGeom>
+          <a:solidFill>
+            <a:schemeClr val="bg1"/>
+          </a:solidFill>
+          <a:ln>
+            <a:solidFill>
+              <a:schemeClr val="tx1"/>
+            </a:solidFill>
+          </a:ln>
+        </p:spPr>
+        <p:style>
+          <a:lnRef idx="2">
+            <a:schemeClr val="accent1">
+              <a:shade val="15000"/>
+            </a:schemeClr>
+          </a:lnRef>
+          <a:fillRef idx="1">
+            <a:schemeClr val="accent1"/>
+          </a:fillRef>
+          <a:effectRef idx="0">
+            <a:schemeClr val="accent1"/>
+          </a:effectRef>
+          <a:fontRef idx="minor">
+            <a:schemeClr val="lt1"/>
+          </a:fontRef>
+        </p:style>
+        <p:txBody>
+          <a:bodyPr rtlCol="0" anchor="ctr"/>
+          <a:lstStyle/>
+          <a:p>
+            <a:pPr algn="ctr"/>
+            <a:r>
+              <a:rPr lang="en-GB" sz="3600" dirty="0">
+                <a:solidFill>
+                  <a:sysClr val="windowText" lastClr="000000"/>
+                </a:solidFill>
+              </a:rPr>
+              <a:t>SCAN</a:t>
+            </a:r>
+          </a:p>
+        </p:txBody>
+      </p:sp>
+      <p:sp>
+        <p:nvSpPr>
+          <p:cNvPr id="3" name="Rectangle: Rounded Corners 2">
+            <a:extLst>
+              <a:ext uri="{FF2B5EF4-FFF2-40B4-BE49-F238E27FC236}">
+                <a16:creationId xmlns:a16="http://schemas.microsoft.com/office/drawing/2014/main" id="{CBFA1F0B-AA43-15BF-A01F-2C9B9101A932}"/>
+              </a:ext>
+            </a:extLst>
+          </p:cNvPr>
+          <p:cNvSpPr/>
+          <p:nvPr/>
+        </p:nvSpPr>
+        <p:spPr>
+          <a:xfrm>
+            <a:off x="3483143" y="2195763"/>
+            <a:ext cx="4150894" cy="914400"/>
+          </a:xfrm>
+          <a:prstGeom prst="roundRect">
+            <a:avLst>
+              <a:gd name="adj" fmla="val 0"/>
+            </a:avLst>
+          </a:prstGeom>
+          <a:solidFill>
+            <a:schemeClr val="bg1"/>
+          </a:solidFill>
+          <a:ln>
+            <a:solidFill>
+              <a:schemeClr val="tx1"/>
+            </a:solidFill>
+          </a:ln>
+        </p:spPr>
+        <p:style>
+          <a:lnRef idx="2">
+            <a:schemeClr val="accent1">
+              <a:shade val="15000"/>
+            </a:schemeClr>
+          </a:lnRef>
+          <a:fillRef idx="1">
+            <a:schemeClr val="accent1"/>
+          </a:fillRef>
+          <a:effectRef idx="0">
+            <a:schemeClr val="accent1"/>
+          </a:effectRef>
+          <a:fontRef idx="minor">
+            <a:schemeClr val="lt1"/>
+          </a:fontRef>
+        </p:style>
+        <p:txBody>
+          <a:bodyPr rtlCol="0" anchor="ctr"/>
+          <a:lstStyle/>
+          <a:p>
+            <a:r>
+              <a:rPr lang="en-GB" sz="3600" dirty="0">
+                <a:solidFill>
+                  <a:sysClr val="windowText" lastClr="000000"/>
+                </a:solidFill>
+              </a:rPr>
+              <a:t>H4095696</a:t>
+            </a:r>
+          </a:p>
+        </p:txBody>
+      </p:sp>
+      <p:sp>
+        <p:nvSpPr>
+          <p:cNvPr id="4" name="Rectangle: Rounded Corners 3">
+            <a:extLst>
+              <a:ext uri="{FF2B5EF4-FFF2-40B4-BE49-F238E27FC236}">
+                <a16:creationId xmlns:a16="http://schemas.microsoft.com/office/drawing/2014/main" id="{6B044FC1-E8B6-0734-0A04-20F100703A9C}"/>
+              </a:ext>
+            </a:extLst>
+          </p:cNvPr>
+          <p:cNvSpPr/>
+          <p:nvPr/>
+        </p:nvSpPr>
+        <p:spPr>
+          <a:xfrm>
+            <a:off x="872290" y="2195763"/>
+            <a:ext cx="2514600" cy="914400"/>
+          </a:xfrm>
+          <a:prstGeom prst="roundRect">
+            <a:avLst>
+              <a:gd name="adj" fmla="val 0"/>
+            </a:avLst>
+          </a:prstGeom>
+          <a:solidFill>
+            <a:schemeClr val="bg1"/>
+          </a:solidFill>
+          <a:ln>
+            <a:solidFill>
+              <a:schemeClr val="bg1"/>
+            </a:solidFill>
+          </a:ln>
+        </p:spPr>
+        <p:style>
+          <a:lnRef idx="2">
+            <a:schemeClr val="accent1">
+              <a:shade val="15000"/>
+            </a:schemeClr>
+          </a:lnRef>
+          <a:fillRef idx="1">
+            <a:schemeClr val="accent1"/>
+          </a:fillRef>
+          <a:effectRef idx="0">
+            <a:schemeClr val="accent1"/>
+          </a:effectRef>
+          <a:fontRef idx="minor">
+            <a:schemeClr val="lt1"/>
+          </a:fontRef>
+        </p:style>
+        <p:txBody>
+          <a:bodyPr rtlCol="0" anchor="ctr"/>
+          <a:lstStyle/>
+          <a:p>
+            <a:pPr algn="r"/>
+            <a:r>
+              <a:rPr lang="en-GB" sz="3600" dirty="0">
+                <a:solidFill>
+                  <a:sysClr val="windowText" lastClr="000000"/>
+                </a:solidFill>
+              </a:rPr>
+              <a:t>Prisoner ID:</a:t>
+            </a:r>
+          </a:p>
+        </p:txBody>
+      </p:sp>
+      <p:sp>
+        <p:nvSpPr>
+          <p:cNvPr id="5" name="Rectangle: Rounded Corners 4">
+            <a:extLst>
+              <a:ext uri="{FF2B5EF4-FFF2-40B4-BE49-F238E27FC236}">
+                <a16:creationId xmlns:a16="http://schemas.microsoft.com/office/drawing/2014/main" id="{BCE0A71C-F94E-C9D6-A7F8-194538B6B357}"/>
+              </a:ext>
+            </a:extLst>
+          </p:cNvPr>
+          <p:cNvSpPr/>
+          <p:nvPr/>
+        </p:nvSpPr>
+        <p:spPr>
+          <a:xfrm>
+            <a:off x="10371221" y="5696952"/>
+            <a:ext cx="1672389" cy="914400"/>
+          </a:xfrm>
+          <a:prstGeom prst="roundRect">
+            <a:avLst/>
+          </a:prstGeom>
+          <a:solidFill>
+            <a:schemeClr val="bg1"/>
+          </a:solidFill>
+          <a:ln>
+            <a:solidFill>
+              <a:schemeClr val="tx1"/>
+            </a:solidFill>
+          </a:ln>
+        </p:spPr>
+        <p:style>
+          <a:lnRef idx="2">
+            <a:schemeClr val="accent1">
+              <a:shade val="15000"/>
+            </a:schemeClr>
+          </a:lnRef>
+          <a:fillRef idx="1">
+            <a:schemeClr val="accent1"/>
+          </a:fillRef>
+          <a:effectRef idx="0">
+            <a:schemeClr val="accent1"/>
+          </a:effectRef>
+          <a:fontRef idx="minor">
+            <a:schemeClr val="lt1"/>
+          </a:fontRef>
+        </p:style>
+        <p:txBody>
+          <a:bodyPr rtlCol="0" anchor="ctr"/>
+          <a:lstStyle/>
+          <a:p>
+            <a:pPr algn="ctr"/>
+            <a:r>
+              <a:rPr lang="en-GB" sz="3600" dirty="0">
+                <a:solidFill>
+                  <a:sysClr val="windowText" lastClr="000000"/>
+                </a:solidFill>
+              </a:rPr>
+              <a:t>Cancel</a:t>
+            </a:r>
+          </a:p>
+        </p:txBody>
+      </p:sp>
+      <p:sp>
+        <p:nvSpPr>
+          <p:cNvPr id="6" name="Rectangle: Rounded Corners 5">
+            <a:extLst>
+              <a:ext uri="{FF2B5EF4-FFF2-40B4-BE49-F238E27FC236}">
+                <a16:creationId xmlns:a16="http://schemas.microsoft.com/office/drawing/2014/main" id="{7DC07184-0DAD-6EA4-9BA3-BBDCEC534658}"/>
+              </a:ext>
+            </a:extLst>
+          </p:cNvPr>
+          <p:cNvSpPr/>
+          <p:nvPr/>
+        </p:nvSpPr>
+        <p:spPr>
+          <a:xfrm>
+            <a:off x="3483143" y="3230478"/>
+            <a:ext cx="4150894" cy="2087479"/>
+          </a:xfrm>
+          <a:prstGeom prst="roundRect">
+            <a:avLst>
+              <a:gd name="adj" fmla="val 0"/>
+            </a:avLst>
+          </a:prstGeom>
+          <a:solidFill>
+            <a:schemeClr val="bg1"/>
+          </a:solidFill>
+          <a:ln>
+            <a:solidFill>
+              <a:schemeClr val="tx1"/>
+            </a:solidFill>
+          </a:ln>
+        </p:spPr>
+        <p:style>
+          <a:lnRef idx="2">
+            <a:schemeClr val="accent1">
+              <a:shade val="15000"/>
+            </a:schemeClr>
+          </a:lnRef>
+          <a:fillRef idx="1">
+            <a:schemeClr val="accent1"/>
+          </a:fillRef>
+          <a:effectRef idx="0">
+            <a:schemeClr val="accent1"/>
+          </a:effectRef>
+          <a:fontRef idx="minor">
+            <a:schemeClr val="lt1"/>
+          </a:fontRef>
+        </p:style>
+        <p:txBody>
+          <a:bodyPr rtlCol="0" anchor="ctr"/>
+          <a:lstStyle/>
+          <a:p>
+            <a:r>
+              <a:rPr lang="en-GB" sz="3600" dirty="0">
+                <a:solidFill>
+                  <a:sysClr val="windowText" lastClr="000000"/>
+                </a:solidFill>
+              </a:rPr>
+              <a:t>    Induction</a:t>
+            </a:r>
+          </a:p>
+          <a:p>
+            <a:r>
+              <a:rPr lang="en-GB" sz="3600" dirty="0">
+                <a:solidFill>
+                  <a:sysClr val="windowText" lastClr="000000"/>
+                </a:solidFill>
+              </a:rPr>
+              <a:t>    Annual</a:t>
+            </a:r>
+          </a:p>
+          <a:p>
+            <a:r>
+              <a:rPr lang="en-GB" sz="3600" dirty="0">
+                <a:solidFill>
+                  <a:sysClr val="windowText" lastClr="000000"/>
+                </a:solidFill>
+              </a:rPr>
+              <a:t>    Discharge</a:t>
+            </a:r>
+          </a:p>
+        </p:txBody>
+      </p:sp>
+      <p:sp>
+        <p:nvSpPr>
+          <p:cNvPr id="7" name="Rectangle: Rounded Corners 6">
+            <a:extLst>
+              <a:ext uri="{FF2B5EF4-FFF2-40B4-BE49-F238E27FC236}">
+                <a16:creationId xmlns:a16="http://schemas.microsoft.com/office/drawing/2014/main" id="{E5EC01C6-BF45-122C-9463-D60EE81C8418}"/>
+              </a:ext>
+            </a:extLst>
+          </p:cNvPr>
+          <p:cNvSpPr/>
+          <p:nvPr/>
+        </p:nvSpPr>
+        <p:spPr>
+          <a:xfrm>
+            <a:off x="872290" y="3230479"/>
+            <a:ext cx="2514600" cy="914400"/>
+          </a:xfrm>
+          <a:prstGeom prst="roundRect">
+            <a:avLst>
+              <a:gd name="adj" fmla="val 0"/>
+            </a:avLst>
+          </a:prstGeom>
+          <a:solidFill>
+            <a:schemeClr val="bg1"/>
+          </a:solidFill>
+          <a:ln>
+            <a:solidFill>
+              <a:schemeClr val="bg1"/>
+            </a:solidFill>
+          </a:ln>
+        </p:spPr>
+        <p:style>
+          <a:lnRef idx="2">
+            <a:schemeClr val="accent1">
+              <a:shade val="15000"/>
+            </a:schemeClr>
+          </a:lnRef>
+          <a:fillRef idx="1">
+            <a:schemeClr val="accent1"/>
+          </a:fillRef>
+          <a:effectRef idx="0">
+            <a:schemeClr val="accent1"/>
+          </a:effectRef>
+          <a:fontRef idx="minor">
+            <a:schemeClr val="lt1"/>
+          </a:fontRef>
+        </p:style>
+        <p:txBody>
+          <a:bodyPr rtlCol="0" anchor="ctr"/>
+          <a:lstStyle/>
+          <a:p>
+            <a:pPr algn="r"/>
+            <a:r>
+              <a:rPr lang="en-GB" sz="3600" dirty="0">
+                <a:solidFill>
+                  <a:sysClr val="windowText" lastClr="000000"/>
+                </a:solidFill>
+              </a:rPr>
+              <a:t>Scan Type:</a:t>
+            </a:r>
+          </a:p>
+        </p:txBody>
+      </p:sp>
+      <p:sp>
+        <p:nvSpPr>
+          <p:cNvPr id="8" name="Oval 7">
+            <a:extLst>
+              <a:ext uri="{FF2B5EF4-FFF2-40B4-BE49-F238E27FC236}">
+                <a16:creationId xmlns:a16="http://schemas.microsoft.com/office/drawing/2014/main" id="{8ABEAE2C-BB48-9AB0-AA80-6A59CB8A058A}"/>
+              </a:ext>
+            </a:extLst>
+          </p:cNvPr>
+          <p:cNvSpPr/>
+          <p:nvPr/>
+        </p:nvSpPr>
+        <p:spPr>
+          <a:xfrm>
+            <a:off x="3567364" y="3573379"/>
+            <a:ext cx="372979" cy="372979"/>
+          </a:xfrm>
+          <a:prstGeom prst="ellipse">
+            <a:avLst/>
+          </a:prstGeom>
+          <a:solidFill>
+            <a:schemeClr val="tx1"/>
+          </a:solidFill>
+          <a:ln>
+            <a:solidFill>
+              <a:schemeClr val="tx1"/>
+            </a:solidFill>
+          </a:ln>
+        </p:spPr>
+        <p:style>
+          <a:lnRef idx="2">
+            <a:schemeClr val="accent1">
+              <a:shade val="15000"/>
+            </a:schemeClr>
+          </a:lnRef>
+          <a:fillRef idx="1">
+            <a:schemeClr val="accent1"/>
+          </a:fillRef>
+          <a:effectRef idx="0">
+            <a:schemeClr val="accent1"/>
+          </a:effectRef>
+          <a:fontRef idx="minor">
+            <a:schemeClr val="lt1"/>
+          </a:fontRef>
+        </p:style>
+        <p:txBody>
+          <a:bodyPr rtlCol="0" anchor="ctr"/>
+          <a:lstStyle/>
+          <a:p>
+            <a:pPr algn="ctr"/>
+            <a:endParaRPr lang="en-GB"/>
+          </a:p>
+        </p:txBody>
+      </p:sp>
+      <p:sp>
+        <p:nvSpPr>
+          <p:cNvPr id="9" name="Oval 8">
+            <a:extLst>
+              <a:ext uri="{FF2B5EF4-FFF2-40B4-BE49-F238E27FC236}">
+                <a16:creationId xmlns:a16="http://schemas.microsoft.com/office/drawing/2014/main" id="{19FC0F57-CBF3-62E3-8605-91FE12CF6807}"/>
+              </a:ext>
+            </a:extLst>
+          </p:cNvPr>
+          <p:cNvSpPr/>
+          <p:nvPr/>
+        </p:nvSpPr>
+        <p:spPr>
+          <a:xfrm>
+            <a:off x="3567364" y="4144879"/>
+            <a:ext cx="372979" cy="372979"/>
+          </a:xfrm>
+          <a:prstGeom prst="ellipse">
+            <a:avLst/>
+          </a:prstGeom>
+          <a:solidFill>
+            <a:schemeClr val="bg1"/>
+          </a:solidFill>
+          <a:ln>
+            <a:solidFill>
+              <a:schemeClr val="tx1"/>
+            </a:solidFill>
+          </a:ln>
+        </p:spPr>
+        <p:style>
+          <a:lnRef idx="2">
+            <a:schemeClr val="accent1">
+              <a:shade val="15000"/>
+            </a:schemeClr>
+          </a:lnRef>
+          <a:fillRef idx="1">
+            <a:schemeClr val="accent1"/>
+          </a:fillRef>
+          <a:effectRef idx="0">
+            <a:schemeClr val="accent1"/>
+          </a:effectRef>
+          <a:fontRef idx="minor">
+            <a:schemeClr val="lt1"/>
+          </a:fontRef>
+        </p:style>
+        <p:txBody>
+          <a:bodyPr rtlCol="0" anchor="ctr"/>
+          <a:lstStyle/>
+          <a:p>
+            <a:pPr algn="ctr"/>
+            <a:endParaRPr lang="en-GB"/>
+          </a:p>
+        </p:txBody>
+      </p:sp>
+      <p:sp>
+        <p:nvSpPr>
+          <p:cNvPr id="10" name="Oval 9">
+            <a:extLst>
+              <a:ext uri="{FF2B5EF4-FFF2-40B4-BE49-F238E27FC236}">
+                <a16:creationId xmlns:a16="http://schemas.microsoft.com/office/drawing/2014/main" id="{997AD5B0-F1A0-CC26-6EC2-F94156CA7578}"/>
+              </a:ext>
+            </a:extLst>
+          </p:cNvPr>
+          <p:cNvSpPr/>
+          <p:nvPr/>
+        </p:nvSpPr>
+        <p:spPr>
+          <a:xfrm>
+            <a:off x="3567364" y="4695323"/>
+            <a:ext cx="372979" cy="372979"/>
+          </a:xfrm>
+          <a:prstGeom prst="ellipse">
+            <a:avLst/>
+          </a:prstGeom>
+          <a:solidFill>
+            <a:schemeClr val="bg1"/>
+          </a:solidFill>
+          <a:ln>
+            <a:solidFill>
+              <a:schemeClr val="tx1"/>
+            </a:solidFill>
+          </a:ln>
+        </p:spPr>
+        <p:style>
+          <a:lnRef idx="2">
+            <a:schemeClr val="accent1">
+              <a:shade val="15000"/>
+            </a:schemeClr>
+          </a:lnRef>
+          <a:fillRef idx="1">
+            <a:schemeClr val="accent1"/>
+          </a:fillRef>
+          <a:effectRef idx="0">
+            <a:schemeClr val="accent1"/>
+          </a:effectRef>
+          <a:fontRef idx="minor">
+            <a:schemeClr val="lt1"/>
+          </a:fontRef>
+        </p:style>
+        <p:txBody>
+          <a:bodyPr rtlCol="0" anchor="ctr"/>
+          <a:lstStyle/>
+          <a:p>
+            <a:pPr algn="ctr"/>
+            <a:endParaRPr lang="en-GB"/>
+          </a:p>
+        </p:txBody>
+      </p:sp>
+      <p:sp>
+        <p:nvSpPr>
+          <p:cNvPr id="11" name="Rectangle: Rounded Corners 10">
+            <a:extLst>
+              <a:ext uri="{FF2B5EF4-FFF2-40B4-BE49-F238E27FC236}">
+                <a16:creationId xmlns:a16="http://schemas.microsoft.com/office/drawing/2014/main" id="{69203E8E-3899-7DEF-B5B9-AFE6FAFB78A0}"/>
+              </a:ext>
+            </a:extLst>
+          </p:cNvPr>
+          <p:cNvSpPr/>
+          <p:nvPr/>
+        </p:nvSpPr>
+        <p:spPr>
+          <a:xfrm>
+            <a:off x="50132" y="48127"/>
+            <a:ext cx="12141868" cy="914400"/>
+          </a:xfrm>
+          <a:prstGeom prst="roundRect">
+            <a:avLst>
+              <a:gd name="adj" fmla="val 0"/>
+            </a:avLst>
+          </a:prstGeom>
+          <a:solidFill>
+            <a:schemeClr val="bg1">
+              <a:lumMod val="85000"/>
+            </a:schemeClr>
+          </a:solidFill>
+          <a:ln/>
+        </p:spPr>
+        <p:style>
+          <a:lnRef idx="2">
+            <a:schemeClr val="accent3">
+              <a:shade val="15000"/>
+            </a:schemeClr>
+          </a:lnRef>
+          <a:fillRef idx="1">
+            <a:schemeClr val="accent3"/>
+          </a:fillRef>
+          <a:effectRef idx="0">
+            <a:schemeClr val="accent3"/>
+          </a:effectRef>
+          <a:fontRef idx="minor">
+            <a:schemeClr val="lt1"/>
+          </a:fontRef>
+        </p:style>
+        <p:txBody>
+          <a:bodyPr rtlCol="0" anchor="ctr"/>
+          <a:lstStyle/>
+          <a:p>
+            <a:r>
+              <a:rPr lang="en-GB" sz="3600" dirty="0">
+                <a:solidFill>
+                  <a:sysClr val="windowText" lastClr="000000"/>
+                </a:solidFill>
+              </a:rPr>
+              <a:t>World Orbital Prison: BIOMETRIC SCANNER</a:t>
+            </a:r>
+          </a:p>
+        </p:txBody>
+      </p:sp>
+      <p:sp>
+        <p:nvSpPr>
+          <p:cNvPr id="13" name="Rectangle: Rounded Corners 12">
+            <a:extLst>
+              <a:ext uri="{FF2B5EF4-FFF2-40B4-BE49-F238E27FC236}">
+                <a16:creationId xmlns:a16="http://schemas.microsoft.com/office/drawing/2014/main" id="{C7F7EFA2-A335-FC91-4BC2-49406381FBF5}"/>
+              </a:ext>
+            </a:extLst>
+          </p:cNvPr>
+          <p:cNvSpPr/>
+          <p:nvPr/>
+        </p:nvSpPr>
+        <p:spPr>
+          <a:xfrm>
+            <a:off x="50132" y="962527"/>
+            <a:ext cx="12141868" cy="914400"/>
+          </a:xfrm>
+          <a:prstGeom prst="roundRect">
+            <a:avLst>
+              <a:gd name="adj" fmla="val 0"/>
+            </a:avLst>
+          </a:prstGeom>
+          <a:solidFill>
+            <a:schemeClr val="bg1">
+              <a:lumMod val="85000"/>
+            </a:schemeClr>
+          </a:solidFill>
+          <a:ln/>
+        </p:spPr>
+        <p:style>
+          <a:lnRef idx="2">
+            <a:schemeClr val="accent3">
+              <a:shade val="15000"/>
+            </a:schemeClr>
+          </a:lnRef>
+          <a:fillRef idx="1">
+            <a:schemeClr val="accent3"/>
+          </a:fillRef>
+          <a:effectRef idx="0">
+            <a:schemeClr val="accent3"/>
+          </a:effectRef>
+          <a:fontRef idx="minor">
+            <a:schemeClr val="lt1"/>
+          </a:fontRef>
+        </p:style>
+        <p:txBody>
+          <a:bodyPr rtlCol="0" anchor="ctr"/>
+          <a:lstStyle/>
+          <a:p>
+            <a:r>
+              <a:rPr lang="en-GB" sz="2400" dirty="0">
+                <a:solidFill>
+                  <a:sysClr val="windowText" lastClr="000000"/>
+                </a:solidFill>
+              </a:rPr>
+              <a:t>File   Home   </a:t>
+            </a:r>
+            <a:r>
+              <a:rPr lang="en-GB" sz="2400" u="sng" dirty="0">
+                <a:solidFill>
+                  <a:sysClr val="windowText" lastClr="000000"/>
+                </a:solidFill>
+              </a:rPr>
+              <a:t>Scan</a:t>
+            </a:r>
+            <a:r>
+              <a:rPr lang="en-GB" sz="2400" dirty="0">
+                <a:solidFill>
+                  <a:sysClr val="windowText" lastClr="000000"/>
+                </a:solidFill>
+              </a:rPr>
+              <a:t>   Help</a:t>
+            </a:r>
+          </a:p>
+        </p:txBody>
+      </p:sp>
+      <p:sp>
+        <p:nvSpPr>
+          <p:cNvPr id="12" name="Rectangle 11">
+            <a:extLst>
+              <a:ext uri="{FF2B5EF4-FFF2-40B4-BE49-F238E27FC236}">
+                <a16:creationId xmlns:a16="http://schemas.microsoft.com/office/drawing/2014/main" id="{B7B07077-A5CD-B898-08FF-F759CC3CAEFB}"/>
+              </a:ext>
+            </a:extLst>
+          </p:cNvPr>
+          <p:cNvSpPr/>
+          <p:nvPr/>
+        </p:nvSpPr>
+        <p:spPr>
+          <a:xfrm>
+            <a:off x="0" y="0"/>
+            <a:ext cx="12192000" cy="6858000"/>
+          </a:xfrm>
+          <a:prstGeom prst="rect">
+            <a:avLst/>
+          </a:prstGeom>
+          <a:noFill/>
+          <a:ln w="76200">
+            <a:solidFill>
+              <a:schemeClr val="tx1"/>
+            </a:solidFill>
+          </a:ln>
+        </p:spPr>
+        <p:style>
+          <a:lnRef idx="2">
+            <a:schemeClr val="accent1">
+              <a:shade val="15000"/>
+            </a:schemeClr>
+          </a:lnRef>
+          <a:fillRef idx="1">
+            <a:schemeClr val="accent1"/>
+          </a:fillRef>
+          <a:effectRef idx="0">
+            <a:schemeClr val="accent1"/>
+          </a:effectRef>
+          <a:fontRef idx="minor">
+            <a:schemeClr val="lt1"/>
+          </a:fontRef>
+        </p:style>
+        <p:txBody>
+          <a:bodyPr rtlCol="0" anchor="ctr"/>
+          <a:lstStyle/>
+          <a:p>
+            <a:pPr algn="ctr"/>
+            <a:endParaRPr lang="en-GB"/>
+          </a:p>
+        </p:txBody>
+      </p:sp>
+    </p:spTree>
+    <p:extLst>
+      <p:ext uri="{BB962C8B-B14F-4D97-AF65-F5344CB8AC3E}">
+        <p14:creationId xmlns:p14="http://schemas.microsoft.com/office/powerpoint/2010/main" val="1081667882"/>
+      </p:ext>
+    </p:extLst>
+  </p:cSld>
+  <p:clrMapOvr>
+    <a:masterClrMapping/>
+  </p:clrMapOvr>
+</p:sld>
+</file>
+
 <file path=ppt/theme/theme1.xml><?xml version="1.0" encoding="utf-8"?>
 <a:theme xmlns:a="http://schemas.openxmlformats.org/drawingml/2006/main" name="Office Theme">
   <a:themeElements>

--- a/Assets/Textures/Roomnames/Roomnames.pptx
+++ b/Assets/Textures/Roomnames/Roomnames.pptx
@@ -264,7 +264,7 @@
           <a:p>
             <a:fld id="{14389514-1D2E-45F5-8DC5-A75A64E20C29}" type="datetimeFigureOut">
               <a:rPr lang="en-GB" smtClean="0"/>
-              <a:t>14/10/2024</a:t>
+              <a:t>29/10/2024</a:t>
             </a:fld>
             <a:endParaRPr lang="en-GB"/>
           </a:p>
@@ -464,7 +464,7 @@
           <a:p>
             <a:fld id="{14389514-1D2E-45F5-8DC5-A75A64E20C29}" type="datetimeFigureOut">
               <a:rPr lang="en-GB" smtClean="0"/>
-              <a:t>14/10/2024</a:t>
+              <a:t>29/10/2024</a:t>
             </a:fld>
             <a:endParaRPr lang="en-GB"/>
           </a:p>
@@ -674,7 +674,7 @@
           <a:p>
             <a:fld id="{14389514-1D2E-45F5-8DC5-A75A64E20C29}" type="datetimeFigureOut">
               <a:rPr lang="en-GB" smtClean="0"/>
-              <a:t>14/10/2024</a:t>
+              <a:t>29/10/2024</a:t>
             </a:fld>
             <a:endParaRPr lang="en-GB"/>
           </a:p>
@@ -874,7 +874,7 @@
           <a:p>
             <a:fld id="{14389514-1D2E-45F5-8DC5-A75A64E20C29}" type="datetimeFigureOut">
               <a:rPr lang="en-GB" smtClean="0"/>
-              <a:t>14/10/2024</a:t>
+              <a:t>29/10/2024</a:t>
             </a:fld>
             <a:endParaRPr lang="en-GB"/>
           </a:p>
@@ -1150,7 +1150,7 @@
           <a:p>
             <a:fld id="{14389514-1D2E-45F5-8DC5-A75A64E20C29}" type="datetimeFigureOut">
               <a:rPr lang="en-GB" smtClean="0"/>
-              <a:t>14/10/2024</a:t>
+              <a:t>29/10/2024</a:t>
             </a:fld>
             <a:endParaRPr lang="en-GB"/>
           </a:p>
@@ -1418,7 +1418,7 @@
           <a:p>
             <a:fld id="{14389514-1D2E-45F5-8DC5-A75A64E20C29}" type="datetimeFigureOut">
               <a:rPr lang="en-GB" smtClean="0"/>
-              <a:t>14/10/2024</a:t>
+              <a:t>29/10/2024</a:t>
             </a:fld>
             <a:endParaRPr lang="en-GB"/>
           </a:p>
@@ -1833,7 +1833,7 @@
           <a:p>
             <a:fld id="{14389514-1D2E-45F5-8DC5-A75A64E20C29}" type="datetimeFigureOut">
               <a:rPr lang="en-GB" smtClean="0"/>
-              <a:t>14/10/2024</a:t>
+              <a:t>29/10/2024</a:t>
             </a:fld>
             <a:endParaRPr lang="en-GB"/>
           </a:p>
@@ -1975,7 +1975,7 @@
           <a:p>
             <a:fld id="{14389514-1D2E-45F5-8DC5-A75A64E20C29}" type="datetimeFigureOut">
               <a:rPr lang="en-GB" smtClean="0"/>
-              <a:t>14/10/2024</a:t>
+              <a:t>29/10/2024</a:t>
             </a:fld>
             <a:endParaRPr lang="en-GB"/>
           </a:p>
@@ -2088,7 +2088,7 @@
           <a:p>
             <a:fld id="{14389514-1D2E-45F5-8DC5-A75A64E20C29}" type="datetimeFigureOut">
               <a:rPr lang="en-GB" smtClean="0"/>
-              <a:t>14/10/2024</a:t>
+              <a:t>29/10/2024</a:t>
             </a:fld>
             <a:endParaRPr lang="en-GB"/>
           </a:p>
@@ -2401,7 +2401,7 @@
           <a:p>
             <a:fld id="{14389514-1D2E-45F5-8DC5-A75A64E20C29}" type="datetimeFigureOut">
               <a:rPr lang="en-GB" smtClean="0"/>
-              <a:t>14/10/2024</a:t>
+              <a:t>29/10/2024</a:t>
             </a:fld>
             <a:endParaRPr lang="en-GB"/>
           </a:p>
@@ -2690,7 +2690,7 @@
           <a:p>
             <a:fld id="{14389514-1D2E-45F5-8DC5-A75A64E20C29}" type="datetimeFigureOut">
               <a:rPr lang="en-GB" smtClean="0"/>
-              <a:t>14/10/2024</a:t>
+              <a:t>29/10/2024</a:t>
             </a:fld>
             <a:endParaRPr lang="en-GB"/>
           </a:p>
@@ -2933,7 +2933,7 @@
           <a:p>
             <a:fld id="{14389514-1D2E-45F5-8DC5-A75A64E20C29}" type="datetimeFigureOut">
               <a:rPr lang="en-GB" smtClean="0"/>
-              <a:t>14/10/2024</a:t>
+              <a:t>29/10/2024</a:t>
             </a:fld>
             <a:endParaRPr lang="en-GB"/>
           </a:p>
@@ -3989,10 +3989,10 @@
       </p:grpSpPr>
       <p:sp>
         <p:nvSpPr>
-          <p:cNvPr id="2" name="Rectangle: Rounded Corners 1">
-            <a:extLst>
-              <a:ext uri="{FF2B5EF4-FFF2-40B4-BE49-F238E27FC236}">
-                <a16:creationId xmlns:a16="http://schemas.microsoft.com/office/drawing/2014/main" id="{96B7F6F7-6C36-A423-552C-F05E8CD441AE}"/>
+          <p:cNvPr id="12" name="Rectangle 11">
+            <a:extLst>
+              <a:ext uri="{FF2B5EF4-FFF2-40B4-BE49-F238E27FC236}">
+                <a16:creationId xmlns:a16="http://schemas.microsoft.com/office/drawing/2014/main" id="{B7B07077-A5CD-B898-08FF-F759CC3CAEFB}"/>
               </a:ext>
             </a:extLst>
           </p:cNvPr>
@@ -4001,18 +4001,18 @@
         </p:nvSpPr>
         <p:spPr>
           <a:xfrm>
-            <a:off x="8506326" y="5696952"/>
-            <a:ext cx="1672389" cy="914400"/>
+            <a:off x="0" y="0"/>
+            <a:ext cx="12192000" cy="6858000"/>
           </a:xfrm>
-          <a:prstGeom prst="roundRect">
+          <a:prstGeom prst="rect">
             <a:avLst/>
           </a:prstGeom>
           <a:solidFill>
             <a:schemeClr val="bg1"/>
           </a:solidFill>
-          <a:ln>
+          <a:ln w="76200">
             <a:solidFill>
-              <a:schemeClr val="tx1"/>
+              <a:srgbClr val="4B0082"/>
             </a:solidFill>
           </a:ln>
         </p:spPr>
@@ -4037,23 +4037,16 @@
           <a:lstStyle/>
           <a:p>
             <a:pPr algn="ctr"/>
-            <a:r>
-              <a:rPr lang="en-GB" sz="3600" dirty="0">
-                <a:solidFill>
-                  <a:sysClr val="windowText" lastClr="000000"/>
-                </a:solidFill>
-              </a:rPr>
-              <a:t>SCAN</a:t>
-            </a:r>
-          </a:p>
-        </p:txBody>
-      </p:sp>
-      <p:sp>
-        <p:nvSpPr>
-          <p:cNvPr id="3" name="Rectangle: Rounded Corners 2">
-            <a:extLst>
-              <a:ext uri="{FF2B5EF4-FFF2-40B4-BE49-F238E27FC236}">
-                <a16:creationId xmlns:a16="http://schemas.microsoft.com/office/drawing/2014/main" id="{CBFA1F0B-AA43-15BF-A01F-2C9B9101A932}"/>
+            <a:endParaRPr lang="en-GB"/>
+          </a:p>
+        </p:txBody>
+      </p:sp>
+      <p:sp>
+        <p:nvSpPr>
+          <p:cNvPr id="2" name="Rectangle: Rounded Corners 1">
+            <a:extLst>
+              <a:ext uri="{FF2B5EF4-FFF2-40B4-BE49-F238E27FC236}">
+                <a16:creationId xmlns:a16="http://schemas.microsoft.com/office/drawing/2014/main" id="{96B7F6F7-6C36-A423-552C-F05E8CD441AE}"/>
               </a:ext>
             </a:extLst>
           </p:cNvPr>
@@ -4062,20 +4055,18 @@
         </p:nvSpPr>
         <p:spPr>
           <a:xfrm>
-            <a:off x="3483143" y="2195763"/>
-            <a:ext cx="4150894" cy="914400"/>
+            <a:off x="10280985" y="5696952"/>
+            <a:ext cx="1672389" cy="914400"/>
           </a:xfrm>
           <a:prstGeom prst="roundRect">
-            <a:avLst>
-              <a:gd name="adj" fmla="val 0"/>
-            </a:avLst>
+            <a:avLst/>
           </a:prstGeom>
           <a:solidFill>
-            <a:schemeClr val="bg1"/>
+            <a:srgbClr val="4B0082"/>
           </a:solidFill>
-          <a:ln>
+          <a:ln w="76200">
             <a:solidFill>
-              <a:schemeClr val="tx1"/>
+              <a:srgbClr val="4B0082"/>
             </a:solidFill>
           </a:ln>
         </p:spPr>
@@ -4099,10 +4090,73 @@
           <a:bodyPr rtlCol="0" anchor="ctr"/>
           <a:lstStyle/>
           <a:p>
+            <a:pPr algn="ctr"/>
             <a:r>
               <a:rPr lang="en-GB" sz="3600" dirty="0">
                 <a:solidFill>
-                  <a:sysClr val="windowText" lastClr="000000"/>
+                  <a:schemeClr val="bg1"/>
+                </a:solidFill>
+              </a:rPr>
+              <a:t>SCAN</a:t>
+            </a:r>
+          </a:p>
+        </p:txBody>
+      </p:sp>
+      <p:sp>
+        <p:nvSpPr>
+          <p:cNvPr id="3" name="Rectangle: Rounded Corners 2">
+            <a:extLst>
+              <a:ext uri="{FF2B5EF4-FFF2-40B4-BE49-F238E27FC236}">
+                <a16:creationId xmlns:a16="http://schemas.microsoft.com/office/drawing/2014/main" id="{CBFA1F0B-AA43-15BF-A01F-2C9B9101A932}"/>
+              </a:ext>
+            </a:extLst>
+          </p:cNvPr>
+          <p:cNvSpPr/>
+          <p:nvPr/>
+        </p:nvSpPr>
+        <p:spPr>
+          <a:xfrm>
+            <a:off x="3483142" y="2195763"/>
+            <a:ext cx="6466973" cy="914400"/>
+          </a:xfrm>
+          <a:prstGeom prst="roundRect">
+            <a:avLst>
+              <a:gd name="adj" fmla="val 0"/>
+            </a:avLst>
+          </a:prstGeom>
+          <a:solidFill>
+            <a:schemeClr val="bg1"/>
+          </a:solidFill>
+          <a:ln w="38100">
+            <a:solidFill>
+              <a:srgbClr val="4B0082"/>
+            </a:solidFill>
+          </a:ln>
+        </p:spPr>
+        <p:style>
+          <a:lnRef idx="2">
+            <a:schemeClr val="accent1">
+              <a:shade val="15000"/>
+            </a:schemeClr>
+          </a:lnRef>
+          <a:fillRef idx="1">
+            <a:schemeClr val="accent1"/>
+          </a:fillRef>
+          <a:effectRef idx="0">
+            <a:schemeClr val="accent1"/>
+          </a:effectRef>
+          <a:fontRef idx="minor">
+            <a:schemeClr val="lt1"/>
+          </a:fontRef>
+        </p:style>
+        <p:txBody>
+          <a:bodyPr rtlCol="0" anchor="ctr"/>
+          <a:lstStyle/>
+          <a:p>
+            <a:r>
+              <a:rPr lang="en-GB" sz="3600" dirty="0">
+                <a:solidFill>
+                  <a:srgbClr val="008000"/>
                 </a:solidFill>
               </a:rPr>
               <a:t>H4095696</a:t>
@@ -4165,7 +4219,7 @@
             <a:r>
               <a:rPr lang="en-GB" sz="3600" dirty="0">
                 <a:solidFill>
-                  <a:sysClr val="windowText" lastClr="000000"/>
+                  <a:srgbClr val="008000"/>
                 </a:solidFill>
               </a:rPr>
               <a:t>Prisoner ID:</a:t>
@@ -4187,7 +4241,7 @@
         </p:nvSpPr>
         <p:spPr>
           <a:xfrm>
-            <a:off x="10371221" y="5696952"/>
+            <a:off x="10280984" y="4646250"/>
             <a:ext cx="1672389" cy="914400"/>
           </a:xfrm>
           <a:prstGeom prst="roundRect">
@@ -4196,9 +4250,9 @@
           <a:solidFill>
             <a:schemeClr val="bg1"/>
           </a:solidFill>
-          <a:ln>
+          <a:ln w="76200">
             <a:solidFill>
-              <a:schemeClr val="tx1"/>
+              <a:srgbClr val="4B0082"/>
             </a:solidFill>
           </a:ln>
         </p:spPr>
@@ -4226,7 +4280,7 @@
             <a:r>
               <a:rPr lang="en-GB" sz="3600" dirty="0">
                 <a:solidFill>
-                  <a:sysClr val="windowText" lastClr="000000"/>
+                  <a:srgbClr val="4B0082"/>
                 </a:solidFill>
               </a:rPr>
               <a:t>Cancel</a:t>
@@ -4248,8 +4302,8 @@
         </p:nvSpPr>
         <p:spPr>
           <a:xfrm>
-            <a:off x="3483143" y="3230478"/>
-            <a:ext cx="4150894" cy="2087479"/>
+            <a:off x="3483142" y="3230478"/>
+            <a:ext cx="6466973" cy="3380874"/>
           </a:xfrm>
           <a:prstGeom prst="roundRect">
             <a:avLst>
@@ -4259,9 +4313,9 @@
           <a:solidFill>
             <a:schemeClr val="bg1"/>
           </a:solidFill>
-          <a:ln>
+          <a:ln w="38100">
             <a:solidFill>
-              <a:schemeClr val="tx1"/>
+              <a:srgbClr val="4B0082"/>
             </a:solidFill>
           </a:ln>
         </p:spPr>
@@ -4282,37 +4336,14 @@
           </a:fontRef>
         </p:style>
         <p:txBody>
-          <a:bodyPr rtlCol="0" anchor="ctr"/>
-          <a:lstStyle/>
-          <a:p>
-            <a:r>
-              <a:rPr lang="en-GB" sz="3600" dirty="0">
-                <a:solidFill>
-                  <a:sysClr val="windowText" lastClr="000000"/>
-                </a:solidFill>
-              </a:rPr>
-              <a:t>    Induction</a:t>
-            </a:r>
-          </a:p>
-          <a:p>
-            <a:r>
-              <a:rPr lang="en-GB" sz="3600" dirty="0">
-                <a:solidFill>
-                  <a:sysClr val="windowText" lastClr="000000"/>
-                </a:solidFill>
-              </a:rPr>
-              <a:t>    Annual</a:t>
-            </a:r>
-          </a:p>
-          <a:p>
-            <a:r>
-              <a:rPr lang="en-GB" sz="3600" dirty="0">
-                <a:solidFill>
-                  <a:sysClr val="windowText" lastClr="000000"/>
-                </a:solidFill>
-              </a:rPr>
-              <a:t>    Discharge</a:t>
-            </a:r>
+          <a:bodyPr rtlCol="0" anchor="t"/>
+          <a:lstStyle/>
+          <a:p>
+            <a:endParaRPr lang="en-GB" sz="3600" dirty="0">
+              <a:solidFill>
+                <a:sysClr val="windowText" lastClr="000000"/>
+              </a:solidFill>
+            </a:endParaRPr>
           </a:p>
         </p:txBody>
       </p:sp>
@@ -4371,7 +4402,7 @@
             <a:r>
               <a:rPr lang="en-GB" sz="3600" dirty="0">
                 <a:solidFill>
-                  <a:sysClr val="windowText" lastClr="000000"/>
+                  <a:srgbClr val="008000"/>
                 </a:solidFill>
               </a:rPr>
               <a:t>Scan Type:</a:t>
@@ -4393,18 +4424,18 @@
         </p:nvSpPr>
         <p:spPr>
           <a:xfrm>
-            <a:off x="3567364" y="3573379"/>
+            <a:off x="3612482" y="3397932"/>
             <a:ext cx="372979" cy="372979"/>
           </a:xfrm>
           <a:prstGeom prst="ellipse">
             <a:avLst/>
           </a:prstGeom>
           <a:solidFill>
-            <a:schemeClr val="tx1"/>
+            <a:srgbClr val="4B0082"/>
           </a:solidFill>
           <a:ln>
             <a:solidFill>
-              <a:schemeClr val="tx1"/>
+              <a:srgbClr val="4B0082"/>
             </a:solidFill>
           </a:ln>
         </p:spPr>
@@ -4435,10 +4466,10 @@
       </p:sp>
       <p:sp>
         <p:nvSpPr>
-          <p:cNvPr id="9" name="Oval 8">
-            <a:extLst>
-              <a:ext uri="{FF2B5EF4-FFF2-40B4-BE49-F238E27FC236}">
-                <a16:creationId xmlns:a16="http://schemas.microsoft.com/office/drawing/2014/main" id="{19FC0F57-CBF3-62E3-8605-91FE12CF6807}"/>
+          <p:cNvPr id="11" name="Rectangle: Rounded Corners 10">
+            <a:extLst>
+              <a:ext uri="{FF2B5EF4-FFF2-40B4-BE49-F238E27FC236}">
+                <a16:creationId xmlns:a16="http://schemas.microsoft.com/office/drawing/2014/main" id="{69203E8E-3899-7DEF-B5B9-AFE6FAFB78A0}"/>
               </a:ext>
             </a:extLst>
           </p:cNvPr>
@@ -4447,18 +4478,195 @@
         </p:nvSpPr>
         <p:spPr>
           <a:xfrm>
-            <a:off x="3567364" y="4144879"/>
+            <a:off x="50132" y="48127"/>
+            <a:ext cx="12141868" cy="914400"/>
+          </a:xfrm>
+          <a:prstGeom prst="roundRect">
+            <a:avLst>
+              <a:gd name="adj" fmla="val 0"/>
+            </a:avLst>
+          </a:prstGeom>
+          <a:solidFill>
+            <a:schemeClr val="bg1"/>
+          </a:solidFill>
+          <a:ln w="28575">
+            <a:solidFill>
+              <a:srgbClr val="4B0082"/>
+            </a:solidFill>
+          </a:ln>
+        </p:spPr>
+        <p:style>
+          <a:lnRef idx="2">
+            <a:schemeClr val="accent3">
+              <a:shade val="15000"/>
+            </a:schemeClr>
+          </a:lnRef>
+          <a:fillRef idx="1">
+            <a:schemeClr val="accent3"/>
+          </a:fillRef>
+          <a:effectRef idx="0">
+            <a:schemeClr val="accent3"/>
+          </a:effectRef>
+          <a:fontRef idx="minor">
+            <a:schemeClr val="lt1"/>
+          </a:fontRef>
+        </p:style>
+        <p:txBody>
+          <a:bodyPr rtlCol="0" anchor="ctr"/>
+          <a:lstStyle/>
+          <a:p>
+            <a:r>
+              <a:rPr lang="en-GB" sz="3600" b="1" dirty="0">
+                <a:solidFill>
+                  <a:srgbClr val="008000"/>
+                </a:solidFill>
+              </a:rPr>
+              <a:t>World Orbital Prison: MEDICAL SCANNER</a:t>
+            </a:r>
+          </a:p>
+        </p:txBody>
+      </p:sp>
+      <p:sp>
+        <p:nvSpPr>
+          <p:cNvPr id="13" name="Rectangle: Rounded Corners 12">
+            <a:extLst>
+              <a:ext uri="{FF2B5EF4-FFF2-40B4-BE49-F238E27FC236}">
+                <a16:creationId xmlns:a16="http://schemas.microsoft.com/office/drawing/2014/main" id="{C7F7EFA2-A335-FC91-4BC2-49406381FBF5}"/>
+              </a:ext>
+            </a:extLst>
+          </p:cNvPr>
+          <p:cNvSpPr/>
+          <p:nvPr/>
+        </p:nvSpPr>
+        <p:spPr>
+          <a:xfrm>
+            <a:off x="50132" y="962527"/>
+            <a:ext cx="12141868" cy="914400"/>
+          </a:xfrm>
+          <a:prstGeom prst="roundRect">
+            <a:avLst>
+              <a:gd name="adj" fmla="val 0"/>
+            </a:avLst>
+          </a:prstGeom>
+          <a:solidFill>
+            <a:schemeClr val="bg1"/>
+          </a:solidFill>
+          <a:ln w="28575">
+            <a:solidFill>
+              <a:srgbClr val="4B0082"/>
+            </a:solidFill>
+          </a:ln>
+        </p:spPr>
+        <p:style>
+          <a:lnRef idx="2">
+            <a:schemeClr val="accent3">
+              <a:shade val="15000"/>
+            </a:schemeClr>
+          </a:lnRef>
+          <a:fillRef idx="1">
+            <a:schemeClr val="accent3"/>
+          </a:fillRef>
+          <a:effectRef idx="0">
+            <a:schemeClr val="accent3"/>
+          </a:effectRef>
+          <a:fontRef idx="minor">
+            <a:schemeClr val="lt1"/>
+          </a:fontRef>
+        </p:style>
+        <p:txBody>
+          <a:bodyPr rtlCol="0" anchor="ctr"/>
+          <a:lstStyle/>
+          <a:p>
+            <a:r>
+              <a:rPr lang="en-GB" sz="2400" dirty="0">
+                <a:solidFill>
+                  <a:srgbClr val="008000"/>
+                </a:solidFill>
+              </a:rPr>
+              <a:t>File   Home   </a:t>
+            </a:r>
+            <a:r>
+              <a:rPr lang="en-GB" sz="2400" u="sng" dirty="0">
+                <a:solidFill>
+                  <a:srgbClr val="008000"/>
+                </a:solidFill>
+              </a:rPr>
+              <a:t>Scan</a:t>
+            </a:r>
+            <a:r>
+              <a:rPr lang="en-GB" sz="2400" dirty="0">
+                <a:solidFill>
+                  <a:srgbClr val="008000"/>
+                </a:solidFill>
+              </a:rPr>
+              <a:t>   Help</a:t>
+            </a:r>
+          </a:p>
+        </p:txBody>
+      </p:sp>
+      <p:sp>
+        <p:nvSpPr>
+          <p:cNvPr id="14" name="TextBox 13">
+            <a:extLst>
+              <a:ext uri="{FF2B5EF4-FFF2-40B4-BE49-F238E27FC236}">
+                <a16:creationId xmlns:a16="http://schemas.microsoft.com/office/drawing/2014/main" id="{893694E0-B460-29FA-859C-6F619630ECAD}"/>
+              </a:ext>
+            </a:extLst>
+          </p:cNvPr>
+          <p:cNvSpPr txBox="1"/>
+          <p:nvPr/>
+        </p:nvSpPr>
+        <p:spPr>
+          <a:xfrm>
+            <a:off x="4033587" y="3230478"/>
+            <a:ext cx="5871410" cy="707886"/>
+          </a:xfrm>
+          <a:prstGeom prst="rect">
+            <a:avLst/>
+          </a:prstGeom>
+          <a:noFill/>
+        </p:spPr>
+        <p:txBody>
+          <a:bodyPr wrap="square" rtlCol="0">
+            <a:spAutoFit/>
+          </a:bodyPr>
+          <a:lstStyle/>
+          <a:p>
+            <a:r>
+              <a:rPr lang="en-GB" sz="4000" dirty="0">
+                <a:solidFill>
+                  <a:srgbClr val="008000"/>
+                </a:solidFill>
+              </a:rPr>
+              <a:t>Prisoner Induction</a:t>
+            </a:r>
+          </a:p>
+        </p:txBody>
+      </p:sp>
+      <p:sp>
+        <p:nvSpPr>
+          <p:cNvPr id="15" name="Oval 14">
+            <a:extLst>
+              <a:ext uri="{FF2B5EF4-FFF2-40B4-BE49-F238E27FC236}">
+                <a16:creationId xmlns:a16="http://schemas.microsoft.com/office/drawing/2014/main" id="{4B4783B0-6505-9F2C-3FF4-20AAD97201FA}"/>
+              </a:ext>
+            </a:extLst>
+          </p:cNvPr>
+          <p:cNvSpPr/>
+          <p:nvPr/>
+        </p:nvSpPr>
+        <p:spPr>
+          <a:xfrm>
+            <a:off x="3612482" y="4105818"/>
             <a:ext cx="372979" cy="372979"/>
           </a:xfrm>
           <a:prstGeom prst="ellipse">
             <a:avLst/>
           </a:prstGeom>
-          <a:solidFill>
-            <a:schemeClr val="bg1"/>
-          </a:solidFill>
+          <a:noFill/>
           <a:ln>
             <a:solidFill>
-              <a:schemeClr val="tx1"/>
+              <a:srgbClr val="4B0082"/>
             </a:solidFill>
           </a:ln>
         </p:spPr>
@@ -4489,10 +4697,49 @@
       </p:sp>
       <p:sp>
         <p:nvSpPr>
-          <p:cNvPr id="10" name="Oval 9">
-            <a:extLst>
-              <a:ext uri="{FF2B5EF4-FFF2-40B4-BE49-F238E27FC236}">
-                <a16:creationId xmlns:a16="http://schemas.microsoft.com/office/drawing/2014/main" id="{997AD5B0-F1A0-CC26-6EC2-F94156CA7578}"/>
+          <p:cNvPr id="16" name="TextBox 15">
+            <a:extLst>
+              <a:ext uri="{FF2B5EF4-FFF2-40B4-BE49-F238E27FC236}">
+                <a16:creationId xmlns:a16="http://schemas.microsoft.com/office/drawing/2014/main" id="{87C98B18-824A-2437-D0FC-ED2F53373D31}"/>
+              </a:ext>
+            </a:extLst>
+          </p:cNvPr>
+          <p:cNvSpPr txBox="1"/>
+          <p:nvPr/>
+        </p:nvSpPr>
+        <p:spPr>
+          <a:xfrm>
+            <a:off x="4033587" y="3938364"/>
+            <a:ext cx="5871410" cy="707886"/>
+          </a:xfrm>
+          <a:prstGeom prst="rect">
+            <a:avLst/>
+          </a:prstGeom>
+          <a:noFill/>
+        </p:spPr>
+        <p:txBody>
+          <a:bodyPr wrap="square" rtlCol="0">
+            <a:spAutoFit/>
+          </a:bodyPr>
+          <a:lstStyle/>
+          <a:p>
+            <a:r>
+              <a:rPr lang="en-GB" sz="4000" dirty="0">
+                <a:solidFill>
+                  <a:srgbClr val="008000"/>
+                </a:solidFill>
+              </a:rPr>
+              <a:t>Annual Checkup</a:t>
+            </a:r>
+          </a:p>
+        </p:txBody>
+      </p:sp>
+      <p:sp>
+        <p:nvSpPr>
+          <p:cNvPr id="17" name="Oval 16">
+            <a:extLst>
+              <a:ext uri="{FF2B5EF4-FFF2-40B4-BE49-F238E27FC236}">
+                <a16:creationId xmlns:a16="http://schemas.microsoft.com/office/drawing/2014/main" id="{F25B24A7-43F2-BE6F-8B99-044E40DCD157}"/>
               </a:ext>
             </a:extLst>
           </p:cNvPr>
@@ -4501,18 +4748,16 @@
         </p:nvSpPr>
         <p:spPr>
           <a:xfrm>
-            <a:off x="3567364" y="4695323"/>
+            <a:off x="3612482" y="4813704"/>
             <a:ext cx="372979" cy="372979"/>
           </a:xfrm>
           <a:prstGeom prst="ellipse">
             <a:avLst/>
           </a:prstGeom>
-          <a:solidFill>
-            <a:schemeClr val="bg1"/>
-          </a:solidFill>
+          <a:noFill/>
           <a:ln>
             <a:solidFill>
-              <a:schemeClr val="tx1"/>
+              <a:srgbClr val="4B0082"/>
             </a:solidFill>
           </a:ln>
         </p:spPr>
@@ -4543,164 +4788,67 @@
       </p:sp>
       <p:sp>
         <p:nvSpPr>
-          <p:cNvPr id="11" name="Rectangle: Rounded Corners 10">
-            <a:extLst>
-              <a:ext uri="{FF2B5EF4-FFF2-40B4-BE49-F238E27FC236}">
-                <a16:creationId xmlns:a16="http://schemas.microsoft.com/office/drawing/2014/main" id="{69203E8E-3899-7DEF-B5B9-AFE6FAFB78A0}"/>
-              </a:ext>
-            </a:extLst>
-          </p:cNvPr>
-          <p:cNvSpPr/>
+          <p:cNvPr id="18" name="TextBox 17">
+            <a:extLst>
+              <a:ext uri="{FF2B5EF4-FFF2-40B4-BE49-F238E27FC236}">
+                <a16:creationId xmlns:a16="http://schemas.microsoft.com/office/drawing/2014/main" id="{4D94A277-271C-9849-A13D-9C1AE3228BDC}"/>
+              </a:ext>
+            </a:extLst>
+          </p:cNvPr>
+          <p:cNvSpPr txBox="1"/>
           <p:nvPr/>
         </p:nvSpPr>
         <p:spPr>
           <a:xfrm>
-            <a:off x="50132" y="48127"/>
-            <a:ext cx="12141868" cy="914400"/>
-          </a:xfrm>
-          <a:prstGeom prst="roundRect">
-            <a:avLst>
-              <a:gd name="adj" fmla="val 0"/>
-            </a:avLst>
-          </a:prstGeom>
-          <a:solidFill>
-            <a:schemeClr val="bg1">
-              <a:lumMod val="85000"/>
-            </a:schemeClr>
-          </a:solidFill>
-          <a:ln/>
-        </p:spPr>
-        <p:style>
-          <a:lnRef idx="2">
-            <a:schemeClr val="accent3">
-              <a:shade val="15000"/>
-            </a:schemeClr>
-          </a:lnRef>
-          <a:fillRef idx="1">
-            <a:schemeClr val="accent3"/>
-          </a:fillRef>
-          <a:effectRef idx="0">
-            <a:schemeClr val="accent3"/>
-          </a:effectRef>
-          <a:fontRef idx="minor">
-            <a:schemeClr val="lt1"/>
-          </a:fontRef>
-        </p:style>
-        <p:txBody>
-          <a:bodyPr rtlCol="0" anchor="ctr"/>
-          <a:lstStyle/>
-          <a:p>
-            <a:r>
-              <a:rPr lang="en-GB" sz="3600" dirty="0">
-                <a:solidFill>
-                  <a:sysClr val="windowText" lastClr="000000"/>
-                </a:solidFill>
-              </a:rPr>
-              <a:t>World Orbital Prison: BIOMETRIC SCANNER</a:t>
-            </a:r>
-          </a:p>
-        </p:txBody>
-      </p:sp>
-      <p:sp>
-        <p:nvSpPr>
-          <p:cNvPr id="13" name="Rectangle: Rounded Corners 12">
-            <a:extLst>
-              <a:ext uri="{FF2B5EF4-FFF2-40B4-BE49-F238E27FC236}">
-                <a16:creationId xmlns:a16="http://schemas.microsoft.com/office/drawing/2014/main" id="{C7F7EFA2-A335-FC91-4BC2-49406381FBF5}"/>
-              </a:ext>
-            </a:extLst>
-          </p:cNvPr>
-          <p:cNvSpPr/>
-          <p:nvPr/>
-        </p:nvSpPr>
-        <p:spPr>
-          <a:xfrm>
-            <a:off x="50132" y="962527"/>
-            <a:ext cx="12141868" cy="914400"/>
-          </a:xfrm>
-          <a:prstGeom prst="roundRect">
-            <a:avLst>
-              <a:gd name="adj" fmla="val 0"/>
-            </a:avLst>
-          </a:prstGeom>
-          <a:solidFill>
-            <a:schemeClr val="bg1">
-              <a:lumMod val="85000"/>
-            </a:schemeClr>
-          </a:solidFill>
-          <a:ln/>
-        </p:spPr>
-        <p:style>
-          <a:lnRef idx="2">
-            <a:schemeClr val="accent3">
-              <a:shade val="15000"/>
-            </a:schemeClr>
-          </a:lnRef>
-          <a:fillRef idx="1">
-            <a:schemeClr val="accent3"/>
-          </a:fillRef>
-          <a:effectRef idx="0">
-            <a:schemeClr val="accent3"/>
-          </a:effectRef>
-          <a:fontRef idx="minor">
-            <a:schemeClr val="lt1"/>
-          </a:fontRef>
-        </p:style>
-        <p:txBody>
-          <a:bodyPr rtlCol="0" anchor="ctr"/>
-          <a:lstStyle/>
-          <a:p>
-            <a:r>
-              <a:rPr lang="en-GB" sz="2400" dirty="0">
-                <a:solidFill>
-                  <a:sysClr val="windowText" lastClr="000000"/>
-                </a:solidFill>
-              </a:rPr>
-              <a:t>File   Home   </a:t>
-            </a:r>
-            <a:r>
-              <a:rPr lang="en-GB" sz="2400" u="sng" dirty="0">
-                <a:solidFill>
-                  <a:sysClr val="windowText" lastClr="000000"/>
-                </a:solidFill>
-              </a:rPr>
-              <a:t>Scan</a:t>
-            </a:r>
-            <a:r>
-              <a:rPr lang="en-GB" sz="2400" dirty="0">
-                <a:solidFill>
-                  <a:sysClr val="windowText" lastClr="000000"/>
-                </a:solidFill>
-              </a:rPr>
-              <a:t>   Help</a:t>
-            </a:r>
-          </a:p>
-        </p:txBody>
-      </p:sp>
-      <p:sp>
-        <p:nvSpPr>
-          <p:cNvPr id="12" name="Rectangle 11">
-            <a:extLst>
-              <a:ext uri="{FF2B5EF4-FFF2-40B4-BE49-F238E27FC236}">
-                <a16:creationId xmlns:a16="http://schemas.microsoft.com/office/drawing/2014/main" id="{B7B07077-A5CD-B898-08FF-F759CC3CAEFB}"/>
-              </a:ext>
-            </a:extLst>
-          </p:cNvPr>
-          <p:cNvSpPr/>
-          <p:nvPr/>
-        </p:nvSpPr>
-        <p:spPr>
-          <a:xfrm>
-            <a:off x="0" y="0"/>
-            <a:ext cx="12192000" cy="6858000"/>
+            <a:off x="4033587" y="4646250"/>
+            <a:ext cx="5871410" cy="707886"/>
           </a:xfrm>
           <a:prstGeom prst="rect">
             <a:avLst/>
           </a:prstGeom>
           <a:noFill/>
-          <a:ln w="76200">
+        </p:spPr>
+        <p:txBody>
+          <a:bodyPr wrap="square" rtlCol="0">
+            <a:spAutoFit/>
+          </a:bodyPr>
+          <a:lstStyle/>
+          <a:p>
+            <a:r>
+              <a:rPr lang="en-GB" sz="4000" dirty="0">
+                <a:solidFill>
+                  <a:srgbClr val="008000"/>
+                </a:solidFill>
+              </a:rPr>
+              <a:t>Prohibited Substances</a:t>
+            </a:r>
+          </a:p>
+        </p:txBody>
+      </p:sp>
+      <p:sp>
+        <p:nvSpPr>
+          <p:cNvPr id="19" name="Oval 18">
+            <a:extLst>
+              <a:ext uri="{FF2B5EF4-FFF2-40B4-BE49-F238E27FC236}">
+                <a16:creationId xmlns:a16="http://schemas.microsoft.com/office/drawing/2014/main" id="{F5125C39-B877-818B-1B32-61E340B21022}"/>
+              </a:ext>
+            </a:extLst>
+          </p:cNvPr>
+          <p:cNvSpPr/>
+          <p:nvPr/>
+        </p:nvSpPr>
+        <p:spPr>
+          <a:xfrm>
+            <a:off x="3612482" y="5517635"/>
+            <a:ext cx="372979" cy="372979"/>
+          </a:xfrm>
+          <a:prstGeom prst="ellipse">
+            <a:avLst/>
+          </a:prstGeom>
+          <a:noFill/>
+          <a:ln>
             <a:solidFill>
-              <a:schemeClr val="tx1"/>
+              <a:srgbClr val="4B0082"/>
             </a:solidFill>
           </a:ln>
         </p:spPr>
@@ -4726,6 +4874,45 @@
           <a:p>
             <a:pPr algn="ctr"/>
             <a:endParaRPr lang="en-GB"/>
+          </a:p>
+        </p:txBody>
+      </p:sp>
+      <p:sp>
+        <p:nvSpPr>
+          <p:cNvPr id="20" name="TextBox 19">
+            <a:extLst>
+              <a:ext uri="{FF2B5EF4-FFF2-40B4-BE49-F238E27FC236}">
+                <a16:creationId xmlns:a16="http://schemas.microsoft.com/office/drawing/2014/main" id="{A4CBE8CC-41A1-B8A1-55B3-6EB8427E677F}"/>
+              </a:ext>
+            </a:extLst>
+          </p:cNvPr>
+          <p:cNvSpPr txBox="1"/>
+          <p:nvPr/>
+        </p:nvSpPr>
+        <p:spPr>
+          <a:xfrm>
+            <a:off x="4033587" y="5350181"/>
+            <a:ext cx="5871410" cy="707886"/>
+          </a:xfrm>
+          <a:prstGeom prst="rect">
+            <a:avLst/>
+          </a:prstGeom>
+          <a:noFill/>
+        </p:spPr>
+        <p:txBody>
+          <a:bodyPr wrap="square" rtlCol="0">
+            <a:spAutoFit/>
+          </a:bodyPr>
+          <a:lstStyle/>
+          <a:p>
+            <a:r>
+              <a:rPr lang="en-GB" sz="4000" dirty="0">
+                <a:solidFill>
+                  <a:srgbClr val="008000"/>
+                </a:solidFill>
+              </a:rPr>
+              <a:t>Prisoner Release</a:t>
+            </a:r>
           </a:p>
         </p:txBody>
       </p:sp>
